--- a/Data Structures using C#/data-structures-using-.net-core-csharp/Stack/Stack.pptx
+++ b/Data Structures using C#/data-structures-using-.net-core-csharp/Stack/Stack.pptx
@@ -203,7 +203,7 @@
           <a:p>
             <a:fld id="{2FB6FFA2-5596-DA47-A26B-229D3D705C9C}" type="datetimeFigureOut">
               <a:rPr lang="en-US" smtClean="0"/>
-              <a:t>12/30/21</a:t>
+              <a:t>5/24/22</a:t>
             </a:fld>
             <a:endParaRPr lang="en-US"/>
           </a:p>
@@ -1205,7 +1205,7 @@
           <a:p>
             <a:fld id="{D7AFABE5-C7E3-F145-818B-F1C9F2CF8384}" type="datetimeFigureOut">
               <a:rPr lang="en-US" smtClean="0"/>
-              <a:t>12/30/21</a:t>
+              <a:t>5/24/22</a:t>
             </a:fld>
             <a:endParaRPr lang="en-US"/>
           </a:p>
@@ -1403,7 +1403,7 @@
           <a:p>
             <a:fld id="{D7AFABE5-C7E3-F145-818B-F1C9F2CF8384}" type="datetimeFigureOut">
               <a:rPr lang="en-US" smtClean="0"/>
-              <a:t>12/30/21</a:t>
+              <a:t>5/24/22</a:t>
             </a:fld>
             <a:endParaRPr lang="en-US"/>
           </a:p>
@@ -1611,7 +1611,7 @@
           <a:p>
             <a:fld id="{D7AFABE5-C7E3-F145-818B-F1C9F2CF8384}" type="datetimeFigureOut">
               <a:rPr lang="en-US" smtClean="0"/>
-              <a:t>12/30/21</a:t>
+              <a:t>5/24/22</a:t>
             </a:fld>
             <a:endParaRPr lang="en-US"/>
           </a:p>
@@ -1809,7 +1809,7 @@
           <a:p>
             <a:fld id="{D7AFABE5-C7E3-F145-818B-F1C9F2CF8384}" type="datetimeFigureOut">
               <a:rPr lang="en-US" smtClean="0"/>
-              <a:t>12/30/21</a:t>
+              <a:t>5/24/22</a:t>
             </a:fld>
             <a:endParaRPr lang="en-US"/>
           </a:p>
@@ -2084,7 +2084,7 @@
           <a:p>
             <a:fld id="{D7AFABE5-C7E3-F145-818B-F1C9F2CF8384}" type="datetimeFigureOut">
               <a:rPr lang="en-US" smtClean="0"/>
-              <a:t>12/30/21</a:t>
+              <a:t>5/24/22</a:t>
             </a:fld>
             <a:endParaRPr lang="en-US"/>
           </a:p>
@@ -2349,7 +2349,7 @@
           <a:p>
             <a:fld id="{D7AFABE5-C7E3-F145-818B-F1C9F2CF8384}" type="datetimeFigureOut">
               <a:rPr lang="en-US" smtClean="0"/>
-              <a:t>12/30/21</a:t>
+              <a:t>5/24/22</a:t>
             </a:fld>
             <a:endParaRPr lang="en-US"/>
           </a:p>
@@ -2761,7 +2761,7 @@
           <a:p>
             <a:fld id="{D7AFABE5-C7E3-F145-818B-F1C9F2CF8384}" type="datetimeFigureOut">
               <a:rPr lang="en-US" smtClean="0"/>
-              <a:t>12/30/21</a:t>
+              <a:t>5/24/22</a:t>
             </a:fld>
             <a:endParaRPr lang="en-US"/>
           </a:p>
@@ -2902,7 +2902,7 @@
           <a:p>
             <a:fld id="{D7AFABE5-C7E3-F145-818B-F1C9F2CF8384}" type="datetimeFigureOut">
               <a:rPr lang="en-US" smtClean="0"/>
-              <a:t>12/30/21</a:t>
+              <a:t>5/24/22</a:t>
             </a:fld>
             <a:endParaRPr lang="en-US"/>
           </a:p>
@@ -3015,7 +3015,7 @@
           <a:p>
             <a:fld id="{D7AFABE5-C7E3-F145-818B-F1C9F2CF8384}" type="datetimeFigureOut">
               <a:rPr lang="en-US" smtClean="0"/>
-              <a:t>12/30/21</a:t>
+              <a:t>5/24/22</a:t>
             </a:fld>
             <a:endParaRPr lang="en-US"/>
           </a:p>
@@ -3326,7 +3326,7 @@
           <a:p>
             <a:fld id="{D7AFABE5-C7E3-F145-818B-F1C9F2CF8384}" type="datetimeFigureOut">
               <a:rPr lang="en-US" smtClean="0"/>
-              <a:t>12/30/21</a:t>
+              <a:t>5/24/22</a:t>
             </a:fld>
             <a:endParaRPr lang="en-US"/>
           </a:p>
@@ -3614,7 +3614,7 @@
           <a:p>
             <a:fld id="{D7AFABE5-C7E3-F145-818B-F1C9F2CF8384}" type="datetimeFigureOut">
               <a:rPr lang="en-US" smtClean="0"/>
-              <a:t>12/30/21</a:t>
+              <a:t>5/24/22</a:t>
             </a:fld>
             <a:endParaRPr lang="en-US"/>
           </a:p>
@@ -3855,7 +3855,7 @@
           <a:p>
             <a:fld id="{D7AFABE5-C7E3-F145-818B-F1C9F2CF8384}" type="datetimeFigureOut">
               <a:rPr lang="en-US" smtClean="0"/>
-              <a:t>12/30/21</a:t>
+              <a:t>5/24/22</a:t>
             </a:fld>
             <a:endParaRPr lang="en-US"/>
           </a:p>
@@ -4464,7 +4464,7 @@
         <p:spPr>
           <a:xfrm>
             <a:off x="276262" y="1536174"/>
-            <a:ext cx="4684619" cy="4093428"/>
+            <a:ext cx="4684619" cy="3785652"/>
           </a:xfrm>
           <a:prstGeom prst="rect">
             <a:avLst/>
@@ -4614,7 +4614,7 @@
                   <a:schemeClr val="tx1"/>
                 </a:solidFill>
               </a:rPr>
-              <a:t>ele Peek() – returns last element inserted into the stack</a:t>
+              <a:t>ele Peek() – returns last element </a:t>
             </a:r>
           </a:p>
           <a:p>
@@ -4623,12 +4623,20 @@
               <a:buChar char="•"/>
             </a:pPr>
             <a:r>
-              <a:rPr lang="en-US" dirty="0">
+              <a:rPr lang="en-US" dirty="0" err="1">
                 <a:solidFill>
                   <a:schemeClr val="tx1"/>
                 </a:solidFill>
               </a:rPr>
-              <a:t>ele[] Display() – returns list of elements in stack in reverse order</a:t>
+              <a:t>ele</a:t>
+            </a:r>
+            <a:r>
+              <a:rPr lang="en-US" dirty="0">
+                <a:solidFill>
+                  <a:schemeClr val="tx1"/>
+                </a:solidFill>
+              </a:rPr>
+              <a:t>[] Display() – returns list of elements in stack in reverse order</a:t>
             </a:r>
             <a:r>
               <a:rPr lang="en-US" sz="1600" dirty="0">
@@ -5081,7 +5089,7 @@
         </p:nvSpPr>
         <p:spPr>
           <a:xfrm>
-            <a:off x="8180708" y="2562635"/>
+            <a:off x="8184696" y="3097967"/>
             <a:ext cx="756104" cy="338554"/>
           </a:xfrm>
           <a:prstGeom prst="rect">
@@ -5489,7 +5497,7 @@
                   <a:schemeClr val="tx1"/>
                 </a:solidFill>
               </a:rPr>
-              <a:t>Check stack is overflow or not top == max -1</a:t>
+              <a:t>Check stack is overflow (top == max -1)</a:t>
             </a:r>
           </a:p>
           <a:p>
@@ -8366,7 +8374,7 @@
                   <a:schemeClr val="tx1"/>
                 </a:solidFill>
               </a:rPr>
-              <a:t>top = 3</a:t>
+              <a:t>top = 2</a:t>
             </a:r>
           </a:p>
         </p:txBody>
@@ -9508,7 +9516,7 @@
                   <a:schemeClr val="tx1"/>
                 </a:solidFill>
               </a:rPr>
-              <a:t>Check stack is underflow or not top == -1</a:t>
+              <a:t>Check stack is underflow (top == -1)</a:t>
             </a:r>
           </a:p>
           <a:p>
@@ -13588,7 +13596,7 @@
                   <a:schemeClr val="tx1"/>
                 </a:solidFill>
               </a:rPr>
-              <a:t>Check stack is underflow or not top == -1</a:t>
+              <a:t>Check stack is underflow (top == -1)</a:t>
             </a:r>
           </a:p>
           <a:p>
